--- a/assets/img/case-studies/case5.pptx
+++ b/assets/img/case-studies/case5.pptx
@@ -244,7 +244,7 @@
           <a:p>
             <a:fld id="{3DE104F8-BB58-4C32-9C6F-08E25FB50337}" type="datetimeFigureOut">
               <a:rPr lang="en-US" smtClean="0"/>
-              <a:t>3/24/2023</a:t>
+              <a:t>3/25/2023</a:t>
             </a:fld>
             <a:endParaRPr lang="en-US"/>
           </a:p>
@@ -414,7 +414,7 @@
           <a:p>
             <a:fld id="{3DE104F8-BB58-4C32-9C6F-08E25FB50337}" type="datetimeFigureOut">
               <a:rPr lang="en-US" smtClean="0"/>
-              <a:t>3/24/2023</a:t>
+              <a:t>3/25/2023</a:t>
             </a:fld>
             <a:endParaRPr lang="en-US"/>
           </a:p>
@@ -594,7 +594,7 @@
           <a:p>
             <a:fld id="{3DE104F8-BB58-4C32-9C6F-08E25FB50337}" type="datetimeFigureOut">
               <a:rPr lang="en-US" smtClean="0"/>
-              <a:t>3/24/2023</a:t>
+              <a:t>3/25/2023</a:t>
             </a:fld>
             <a:endParaRPr lang="en-US"/>
           </a:p>
@@ -764,7 +764,7 @@
           <a:p>
             <a:fld id="{3DE104F8-BB58-4C32-9C6F-08E25FB50337}" type="datetimeFigureOut">
               <a:rPr lang="en-US" smtClean="0"/>
-              <a:t>3/24/2023</a:t>
+              <a:t>3/25/2023</a:t>
             </a:fld>
             <a:endParaRPr lang="en-US"/>
           </a:p>
@@ -1008,7 +1008,7 @@
           <a:p>
             <a:fld id="{3DE104F8-BB58-4C32-9C6F-08E25FB50337}" type="datetimeFigureOut">
               <a:rPr lang="en-US" smtClean="0"/>
-              <a:t>3/24/2023</a:t>
+              <a:t>3/25/2023</a:t>
             </a:fld>
             <a:endParaRPr lang="en-US"/>
           </a:p>
@@ -1240,7 +1240,7 @@
           <a:p>
             <a:fld id="{3DE104F8-BB58-4C32-9C6F-08E25FB50337}" type="datetimeFigureOut">
               <a:rPr lang="en-US" smtClean="0"/>
-              <a:t>3/24/2023</a:t>
+              <a:t>3/25/2023</a:t>
             </a:fld>
             <a:endParaRPr lang="en-US"/>
           </a:p>
@@ -1607,7 +1607,7 @@
           <a:p>
             <a:fld id="{3DE104F8-BB58-4C32-9C6F-08E25FB50337}" type="datetimeFigureOut">
               <a:rPr lang="en-US" smtClean="0"/>
-              <a:t>3/24/2023</a:t>
+              <a:t>3/25/2023</a:t>
             </a:fld>
             <a:endParaRPr lang="en-US"/>
           </a:p>
@@ -1725,7 +1725,7 @@
           <a:p>
             <a:fld id="{3DE104F8-BB58-4C32-9C6F-08E25FB50337}" type="datetimeFigureOut">
               <a:rPr lang="en-US" smtClean="0"/>
-              <a:t>3/24/2023</a:t>
+              <a:t>3/25/2023</a:t>
             </a:fld>
             <a:endParaRPr lang="en-US"/>
           </a:p>
@@ -1820,7 +1820,7 @@
           <a:p>
             <a:fld id="{3DE104F8-BB58-4C32-9C6F-08E25FB50337}" type="datetimeFigureOut">
               <a:rPr lang="en-US" smtClean="0"/>
-              <a:t>3/24/2023</a:t>
+              <a:t>3/25/2023</a:t>
             </a:fld>
             <a:endParaRPr lang="en-US"/>
           </a:p>
@@ -2097,7 +2097,7 @@
           <a:p>
             <a:fld id="{3DE104F8-BB58-4C32-9C6F-08E25FB50337}" type="datetimeFigureOut">
               <a:rPr lang="en-US" smtClean="0"/>
-              <a:t>3/24/2023</a:t>
+              <a:t>3/25/2023</a:t>
             </a:fld>
             <a:endParaRPr lang="en-US"/>
           </a:p>
@@ -2354,7 +2354,7 @@
           <a:p>
             <a:fld id="{3DE104F8-BB58-4C32-9C6F-08E25FB50337}" type="datetimeFigureOut">
               <a:rPr lang="en-US" smtClean="0"/>
-              <a:t>3/24/2023</a:t>
+              <a:t>3/25/2023</a:t>
             </a:fld>
             <a:endParaRPr lang="en-US"/>
           </a:p>
@@ -2567,7 +2567,7 @@
           <a:p>
             <a:fld id="{3DE104F8-BB58-4C32-9C6F-08E25FB50337}" type="datetimeFigureOut">
               <a:rPr lang="en-US" smtClean="0"/>
-              <a:t>3/24/2023</a:t>
+              <a:t>3/25/2023</a:t>
             </a:fld>
             <a:endParaRPr lang="en-US"/>
           </a:p>
@@ -2972,36 +2972,6 @@
           <a:chExt cx="0" cy="0"/>
         </a:xfrm>
       </p:grpSpPr>
-      <p:pic>
-        <p:nvPicPr>
-          <p:cNvPr id="3" name="Picture 2">
-            <a:extLst>
-              <a:ext uri="{FF2B5EF4-FFF2-40B4-BE49-F238E27FC236}">
-                <a16:creationId xmlns:a16="http://schemas.microsoft.com/office/drawing/2014/main" id="{F7A74527-0A94-1133-BF96-E89AED994370}"/>
-              </a:ext>
-            </a:extLst>
-          </p:cNvPr>
-          <p:cNvPicPr>
-            <a:picLocks noChangeAspect="1"/>
-          </p:cNvPicPr>
-          <p:nvPr/>
-        </p:nvPicPr>
-        <p:blipFill>
-          <a:blip r:embed="rId2"/>
-          <a:stretch>
-            <a:fillRect/>
-          </a:stretch>
-        </p:blipFill>
-        <p:spPr>
-          <a:xfrm>
-            <a:off x="0" y="4118120"/>
-            <a:ext cx="6858000" cy="3955759"/>
-          </a:xfrm>
-          <a:prstGeom prst="rect">
-            <a:avLst/>
-          </a:prstGeom>
-        </p:spPr>
-      </p:pic>
     </p:spTree>
     <p:extLst>
       <p:ext uri="{BB962C8B-B14F-4D97-AF65-F5344CB8AC3E}">
@@ -3150,7 +3120,7 @@
         </p:blipFill>
         <p:spPr>
           <a:xfrm>
-            <a:off x="1143000" y="1684311"/>
+            <a:off x="7289800" y="1587765"/>
             <a:ext cx="4572000" cy="1994356"/>
           </a:xfrm>
           <a:prstGeom prst="rect">
@@ -3179,7 +3149,7 @@
         </p:blipFill>
         <p:spPr>
           <a:xfrm>
-            <a:off x="1143000" y="3857125"/>
+            <a:off x="7289800" y="3760579"/>
             <a:ext cx="2286000" cy="3305675"/>
           </a:xfrm>
           <a:prstGeom prst="rect">
@@ -3209,7 +3179,7 @@
         </p:blipFill>
         <p:spPr>
           <a:xfrm>
-            <a:off x="1143000" y="7339234"/>
+            <a:off x="7289800" y="7242688"/>
             <a:ext cx="4572000" cy="1217621"/>
           </a:xfrm>
           <a:prstGeom prst="rect">
@@ -3239,7 +3209,7 @@
         </p:blipFill>
         <p:spPr>
           <a:xfrm>
-            <a:off x="3429000" y="4033559"/>
+            <a:off x="9575800" y="3937013"/>
             <a:ext cx="2286000" cy="2832577"/>
           </a:xfrm>
           <a:prstGeom prst="rect">
@@ -3269,7 +3239,7 @@
         </p:blipFill>
         <p:spPr>
           <a:xfrm>
-            <a:off x="1143000" y="8733289"/>
+            <a:off x="7289800" y="8636743"/>
             <a:ext cx="4572000" cy="2382108"/>
           </a:xfrm>
           <a:prstGeom prst="rect">
@@ -3277,6 +3247,177 @@
           </a:prstGeom>
         </p:spPr>
       </p:pic>
+      <p:grpSp>
+        <p:nvGrpSpPr>
+          <p:cNvPr id="21" name="Group 20">
+            <a:extLst>
+              <a:ext uri="{FF2B5EF4-FFF2-40B4-BE49-F238E27FC236}">
+                <a16:creationId xmlns:a16="http://schemas.microsoft.com/office/drawing/2014/main" id="{FDF9CDF7-6BB4-4646-8843-2416A12D2994}"/>
+              </a:ext>
+            </a:extLst>
+          </p:cNvPr>
+          <p:cNvGrpSpPr/>
+          <p:nvPr/>
+        </p:nvGrpSpPr>
+        <p:grpSpPr>
+          <a:xfrm>
+            <a:off x="977900" y="1821822"/>
+            <a:ext cx="4572000" cy="9249035"/>
+            <a:chOff x="977900" y="1821822"/>
+            <a:chExt cx="4572000" cy="9249035"/>
+          </a:xfrm>
+        </p:grpSpPr>
+        <p:pic>
+          <p:nvPicPr>
+            <p:cNvPr id="3" name="Picture 2">
+              <a:extLst>
+                <a:ext uri="{FF2B5EF4-FFF2-40B4-BE49-F238E27FC236}">
+                  <a16:creationId xmlns:a16="http://schemas.microsoft.com/office/drawing/2014/main" id="{35F996B2-688D-4322-8A71-155B59D7DD15}"/>
+                </a:ext>
+              </a:extLst>
+            </p:cNvPr>
+            <p:cNvPicPr>
+              <a:picLocks noChangeAspect="1"/>
+            </p:cNvPicPr>
+            <p:nvPr/>
+          </p:nvPicPr>
+          <p:blipFill>
+            <a:blip r:embed="rId9"/>
+            <a:stretch>
+              <a:fillRect/>
+            </a:stretch>
+          </p:blipFill>
+          <p:spPr>
+            <a:xfrm>
+              <a:off x="977900" y="3937013"/>
+              <a:ext cx="4572000" cy="5012345"/>
+            </a:xfrm>
+            <a:prstGeom prst="rect">
+              <a:avLst/>
+            </a:prstGeom>
+          </p:spPr>
+        </p:pic>
+        <p:pic>
+          <p:nvPicPr>
+            <p:cNvPr id="12" name="Picture 11">
+              <a:extLst>
+                <a:ext uri="{FF2B5EF4-FFF2-40B4-BE49-F238E27FC236}">
+                  <a16:creationId xmlns:a16="http://schemas.microsoft.com/office/drawing/2014/main" id="{18F39BAB-88B7-4158-ACE0-F89E0A5D3F90}"/>
+                </a:ext>
+              </a:extLst>
+            </p:cNvPr>
+            <p:cNvPicPr>
+              <a:picLocks noChangeAspect="1"/>
+            </p:cNvPicPr>
+            <p:nvPr/>
+          </p:nvPicPr>
+          <p:blipFill>
+            <a:blip r:embed="rId10"/>
+            <a:stretch>
+              <a:fillRect/>
+            </a:stretch>
+          </p:blipFill>
+          <p:spPr>
+            <a:xfrm>
+              <a:off x="977900" y="1938422"/>
+              <a:ext cx="2286000" cy="1947834"/>
+            </a:xfrm>
+            <a:prstGeom prst="rect">
+              <a:avLst/>
+            </a:prstGeom>
+          </p:spPr>
+        </p:pic>
+        <p:pic>
+          <p:nvPicPr>
+            <p:cNvPr id="15" name="Picture 14">
+              <a:extLst>
+                <a:ext uri="{FF2B5EF4-FFF2-40B4-BE49-F238E27FC236}">
+                  <a16:creationId xmlns:a16="http://schemas.microsoft.com/office/drawing/2014/main" id="{8A99FFFF-8344-4419-96E1-255C0AB2CBA2}"/>
+                </a:ext>
+              </a:extLst>
+            </p:cNvPr>
+            <p:cNvPicPr>
+              <a:picLocks noChangeAspect="1"/>
+            </p:cNvPicPr>
+            <p:nvPr/>
+          </p:nvPicPr>
+          <p:blipFill>
+            <a:blip r:embed="rId11"/>
+            <a:stretch>
+              <a:fillRect/>
+            </a:stretch>
+          </p:blipFill>
+          <p:spPr>
+            <a:xfrm>
+              <a:off x="3263900" y="1821822"/>
+              <a:ext cx="2286000" cy="2064434"/>
+            </a:xfrm>
+            <a:prstGeom prst="rect">
+              <a:avLst/>
+            </a:prstGeom>
+          </p:spPr>
+        </p:pic>
+        <p:pic>
+          <p:nvPicPr>
+            <p:cNvPr id="18" name="Picture 17">
+              <a:extLst>
+                <a:ext uri="{FF2B5EF4-FFF2-40B4-BE49-F238E27FC236}">
+                  <a16:creationId xmlns:a16="http://schemas.microsoft.com/office/drawing/2014/main" id="{0BCB607E-CB19-4AC4-B9F0-F0FBDBC3DEFA}"/>
+                </a:ext>
+              </a:extLst>
+            </p:cNvPr>
+            <p:cNvPicPr>
+              <a:picLocks noChangeAspect="1"/>
+            </p:cNvPicPr>
+            <p:nvPr/>
+          </p:nvPicPr>
+          <p:blipFill>
+            <a:blip r:embed="rId12"/>
+            <a:stretch>
+              <a:fillRect/>
+            </a:stretch>
+          </p:blipFill>
+          <p:spPr>
+            <a:xfrm>
+              <a:off x="977900" y="8993701"/>
+              <a:ext cx="2286000" cy="2077156"/>
+            </a:xfrm>
+            <a:prstGeom prst="rect">
+              <a:avLst/>
+            </a:prstGeom>
+          </p:spPr>
+        </p:pic>
+        <p:pic>
+          <p:nvPicPr>
+            <p:cNvPr id="20" name="Picture 19">
+              <a:extLst>
+                <a:ext uri="{FF2B5EF4-FFF2-40B4-BE49-F238E27FC236}">
+                  <a16:creationId xmlns:a16="http://schemas.microsoft.com/office/drawing/2014/main" id="{57AB895C-4E2F-489B-946F-E430E1D29FA5}"/>
+                </a:ext>
+              </a:extLst>
+            </p:cNvPr>
+            <p:cNvPicPr>
+              <a:picLocks noChangeAspect="1"/>
+            </p:cNvPicPr>
+            <p:nvPr/>
+          </p:nvPicPr>
+          <p:blipFill>
+            <a:blip r:embed="rId13"/>
+            <a:stretch>
+              <a:fillRect/>
+            </a:stretch>
+          </p:blipFill>
+          <p:spPr>
+            <a:xfrm>
+              <a:off x="2966571" y="8995169"/>
+              <a:ext cx="2583329" cy="2075688"/>
+            </a:xfrm>
+            <a:prstGeom prst="rect">
+              <a:avLst/>
+            </a:prstGeom>
+          </p:spPr>
+        </p:pic>
+      </p:grpSp>
     </p:spTree>
     <p:extLst>
       <p:ext uri="{BB962C8B-B14F-4D97-AF65-F5344CB8AC3E}">
